--- a/gRPC培训-1.0.pptx
+++ b/gRPC培训-1.0.pptx
@@ -3603,7 +3603,7 @@
         <a:spcBef>
           <a:spcPts val="1000"/>
         </a:spcBef>
-        <a:buFont typeface="Arial" panose="020B0604020202020204" pitchFamily="34" charset="0"/>
+        <a:buFont typeface="Arial" panose="020B0604020202090204" pitchFamily="34" charset="0"/>
         <a:buChar char="•"/>
         <a:defRPr sz="2800" kern="1200">
           <a:solidFill>
@@ -3621,7 +3621,7 @@
         <a:spcBef>
           <a:spcPts val="500"/>
         </a:spcBef>
-        <a:buFont typeface="Arial" panose="020B0604020202020204" pitchFamily="34" charset="0"/>
+        <a:buFont typeface="Arial" panose="020B0604020202090204" pitchFamily="34" charset="0"/>
         <a:buChar char="•"/>
         <a:defRPr sz="2400" kern="1200">
           <a:solidFill>
@@ -3639,7 +3639,7 @@
         <a:spcBef>
           <a:spcPts val="500"/>
         </a:spcBef>
-        <a:buFont typeface="Arial" panose="020B0604020202020204" pitchFamily="34" charset="0"/>
+        <a:buFont typeface="Arial" panose="020B0604020202090204" pitchFamily="34" charset="0"/>
         <a:buChar char="•"/>
         <a:defRPr sz="2000" kern="1200">
           <a:solidFill>
@@ -3657,7 +3657,7 @@
         <a:spcBef>
           <a:spcPts val="500"/>
         </a:spcBef>
-        <a:buFont typeface="Arial" panose="020B0604020202020204" pitchFamily="34" charset="0"/>
+        <a:buFont typeface="Arial" panose="020B0604020202090204" pitchFamily="34" charset="0"/>
         <a:buChar char="•"/>
         <a:defRPr sz="1800" kern="1200">
           <a:solidFill>
@@ -3675,7 +3675,7 @@
         <a:spcBef>
           <a:spcPts val="500"/>
         </a:spcBef>
-        <a:buFont typeface="Arial" panose="020B0604020202020204" pitchFamily="34" charset="0"/>
+        <a:buFont typeface="Arial" panose="020B0604020202090204" pitchFamily="34" charset="0"/>
         <a:buChar char="•"/>
         <a:defRPr sz="1800" kern="1200">
           <a:solidFill>
@@ -3693,7 +3693,7 @@
         <a:spcBef>
           <a:spcPts val="500"/>
         </a:spcBef>
-        <a:buFont typeface="Arial" panose="020B0604020202020204" pitchFamily="34" charset="0"/>
+        <a:buFont typeface="Arial" panose="020B0604020202090204" pitchFamily="34" charset="0"/>
         <a:buChar char="•"/>
         <a:defRPr sz="1800" kern="1200">
           <a:solidFill>
@@ -3711,7 +3711,7 @@
         <a:spcBef>
           <a:spcPts val="500"/>
         </a:spcBef>
-        <a:buFont typeface="Arial" panose="020B0604020202020204" pitchFamily="34" charset="0"/>
+        <a:buFont typeface="Arial" panose="020B0604020202090204" pitchFamily="34" charset="0"/>
         <a:buChar char="•"/>
         <a:defRPr sz="1800" kern="1200">
           <a:solidFill>
@@ -3729,7 +3729,7 @@
         <a:spcBef>
           <a:spcPts val="500"/>
         </a:spcBef>
-        <a:buFont typeface="Arial" panose="020B0604020202020204" pitchFamily="34" charset="0"/>
+        <a:buFont typeface="Arial" panose="020B0604020202090204" pitchFamily="34" charset="0"/>
         <a:buChar char="•"/>
         <a:defRPr sz="1800" kern="1200">
           <a:solidFill>
@@ -3747,7 +3747,7 @@
         <a:spcBef>
           <a:spcPts val="500"/>
         </a:spcBef>
-        <a:buFont typeface="Arial" panose="020B0604020202020204" pitchFamily="34" charset="0"/>
+        <a:buFont typeface="Arial" panose="020B0604020202090204" pitchFamily="34" charset="0"/>
         <a:buChar char="•"/>
         <a:defRPr sz="1800" kern="1200">
           <a:solidFill>
@@ -3924,7 +3924,7 @@
               <a:spcBef>
                 <a:spcPct val="20000"/>
               </a:spcBef>
-              <a:buFont typeface="Arial" panose="020B0604020202020204" pitchFamily="34" charset="0"/>
+              <a:buFont typeface="Arial" panose="020B0604020202090204" pitchFamily="34" charset="0"/>
               <a:buChar char="•"/>
               <a:defRPr sz="3200">
                 <a:solidFill>
@@ -3938,7 +3938,7 @@
               <a:spcBef>
                 <a:spcPct val="20000"/>
               </a:spcBef>
-              <a:buFont typeface="Arial" panose="020B0604020202020204" pitchFamily="34" charset="0"/>
+              <a:buFont typeface="Arial" panose="020B0604020202090204" pitchFamily="34" charset="0"/>
               <a:buChar char="–"/>
               <a:defRPr sz="2800">
                 <a:solidFill>
@@ -3952,7 +3952,7 @@
               <a:spcBef>
                 <a:spcPct val="20000"/>
               </a:spcBef>
-              <a:buFont typeface="Arial" panose="020B0604020202020204" pitchFamily="34" charset="0"/>
+              <a:buFont typeface="Arial" panose="020B0604020202090204" pitchFamily="34" charset="0"/>
               <a:buChar char="•"/>
               <a:defRPr sz="2400">
                 <a:solidFill>
@@ -3966,7 +3966,7 @@
               <a:spcBef>
                 <a:spcPct val="20000"/>
               </a:spcBef>
-              <a:buFont typeface="Arial" panose="020B0604020202020204" pitchFamily="34" charset="0"/>
+              <a:buFont typeface="Arial" panose="020B0604020202090204" pitchFamily="34" charset="0"/>
               <a:buChar char="–"/>
               <a:defRPr sz="2000">
                 <a:solidFill>
@@ -3980,7 +3980,7 @@
               <a:spcBef>
                 <a:spcPct val="20000"/>
               </a:spcBef>
-              <a:buFont typeface="Arial" panose="020B0604020202020204" pitchFamily="34" charset="0"/>
+              <a:buFont typeface="Arial" panose="020B0604020202090204" pitchFamily="34" charset="0"/>
               <a:buChar char="»"/>
               <a:defRPr sz="2000">
                 <a:solidFill>
@@ -3997,7 +3997,7 @@
               <a:spcAft>
                 <a:spcPct val="0"/>
               </a:spcAft>
-              <a:buFont typeface="Arial" panose="020B0604020202020204" pitchFamily="34" charset="0"/>
+              <a:buFont typeface="Arial" panose="020B0604020202090204" pitchFamily="34" charset="0"/>
               <a:buChar char="»"/>
               <a:defRPr sz="2000">
                 <a:solidFill>
@@ -4014,7 +4014,7 @@
               <a:spcAft>
                 <a:spcPct val="0"/>
               </a:spcAft>
-              <a:buFont typeface="Arial" panose="020B0604020202020204" pitchFamily="34" charset="0"/>
+              <a:buFont typeface="Arial" panose="020B0604020202090204" pitchFamily="34" charset="0"/>
               <a:buChar char="»"/>
               <a:defRPr sz="2000">
                 <a:solidFill>
@@ -4031,7 +4031,7 @@
               <a:spcAft>
                 <a:spcPct val="0"/>
               </a:spcAft>
-              <a:buFont typeface="Arial" panose="020B0604020202020204" pitchFamily="34" charset="0"/>
+              <a:buFont typeface="Arial" panose="020B0604020202090204" pitchFamily="34" charset="0"/>
               <a:buChar char="»"/>
               <a:defRPr sz="2000">
                 <a:solidFill>
@@ -4048,7 +4048,7 @@
               <a:spcAft>
                 <a:spcPct val="0"/>
               </a:spcAft>
-              <a:buFont typeface="Arial" panose="020B0604020202020204" pitchFamily="34" charset="0"/>
+              <a:buFont typeface="Arial" panose="020B0604020202090204" pitchFamily="34" charset="0"/>
               <a:buChar char="»"/>
               <a:defRPr sz="2000">
                 <a:solidFill>
@@ -4152,7 +4152,7 @@
               <a:spcBef>
                 <a:spcPct val="20000"/>
               </a:spcBef>
-              <a:buFont typeface="Arial" panose="020B0604020202020204" pitchFamily="34" charset="0"/>
+              <a:buFont typeface="Arial" panose="020B0604020202090204" pitchFamily="34" charset="0"/>
               <a:buChar char="•"/>
               <a:defRPr sz="3200">
                 <a:solidFill>
@@ -4166,7 +4166,7 @@
               <a:spcBef>
                 <a:spcPct val="20000"/>
               </a:spcBef>
-              <a:buFont typeface="Arial" panose="020B0604020202020204" pitchFamily="34" charset="0"/>
+              <a:buFont typeface="Arial" panose="020B0604020202090204" pitchFamily="34" charset="0"/>
               <a:buChar char="–"/>
               <a:defRPr sz="2800">
                 <a:solidFill>
@@ -4180,7 +4180,7 @@
               <a:spcBef>
                 <a:spcPct val="20000"/>
               </a:spcBef>
-              <a:buFont typeface="Arial" panose="020B0604020202020204" pitchFamily="34" charset="0"/>
+              <a:buFont typeface="Arial" panose="020B0604020202090204" pitchFamily="34" charset="0"/>
               <a:buChar char="•"/>
               <a:defRPr sz="2400">
                 <a:solidFill>
@@ -4194,7 +4194,7 @@
               <a:spcBef>
                 <a:spcPct val="20000"/>
               </a:spcBef>
-              <a:buFont typeface="Arial" panose="020B0604020202020204" pitchFamily="34" charset="0"/>
+              <a:buFont typeface="Arial" panose="020B0604020202090204" pitchFamily="34" charset="0"/>
               <a:buChar char="–"/>
               <a:defRPr sz="2000">
                 <a:solidFill>
@@ -4208,7 +4208,7 @@
               <a:spcBef>
                 <a:spcPct val="20000"/>
               </a:spcBef>
-              <a:buFont typeface="Arial" panose="020B0604020202020204" pitchFamily="34" charset="0"/>
+              <a:buFont typeface="Arial" panose="020B0604020202090204" pitchFamily="34" charset="0"/>
               <a:buChar char="»"/>
               <a:defRPr sz="2000">
                 <a:solidFill>
@@ -4225,7 +4225,7 @@
               <a:spcAft>
                 <a:spcPct val="0"/>
               </a:spcAft>
-              <a:buFont typeface="Arial" panose="020B0604020202020204" pitchFamily="34" charset="0"/>
+              <a:buFont typeface="Arial" panose="020B0604020202090204" pitchFamily="34" charset="0"/>
               <a:buChar char="»"/>
               <a:defRPr sz="2000">
                 <a:solidFill>
@@ -4242,7 +4242,7 @@
               <a:spcAft>
                 <a:spcPct val="0"/>
               </a:spcAft>
-              <a:buFont typeface="Arial" panose="020B0604020202020204" pitchFamily="34" charset="0"/>
+              <a:buFont typeface="Arial" panose="020B0604020202090204" pitchFamily="34" charset="0"/>
               <a:buChar char="»"/>
               <a:defRPr sz="2000">
                 <a:solidFill>
@@ -4259,7 +4259,7 @@
               <a:spcAft>
                 <a:spcPct val="0"/>
               </a:spcAft>
-              <a:buFont typeface="Arial" panose="020B0604020202020204" pitchFamily="34" charset="0"/>
+              <a:buFont typeface="Arial" panose="020B0604020202090204" pitchFamily="34" charset="0"/>
               <a:buChar char="»"/>
               <a:defRPr sz="2000">
                 <a:solidFill>
@@ -4276,7 +4276,7 @@
               <a:spcAft>
                 <a:spcPct val="0"/>
               </a:spcAft>
-              <a:buFont typeface="Arial" panose="020B0604020202020204" pitchFamily="34" charset="0"/>
+              <a:buFont typeface="Arial" panose="020B0604020202090204" pitchFamily="34" charset="0"/>
               <a:buChar char="»"/>
               <a:defRPr sz="2000">
                 <a:solidFill>
@@ -4300,9 +4300,9 @@
                 <a:solidFill>
                   <a:prstClr val="white"/>
                 </a:solidFill>
-                <a:latin typeface="Arial" panose="020B0604020202020204" pitchFamily="34" charset="0"/>
+                <a:latin typeface="Arial" panose="020B0604020202090204" pitchFamily="34" charset="0"/>
                 <a:ea typeface="微软雅黑" panose="020B0503020204020204" pitchFamily="34" charset="-122"/>
-                <a:cs typeface="Arial" panose="020B0604020202020204" pitchFamily="34" charset="0"/>
+                <a:cs typeface="Arial" panose="020B0604020202090204" pitchFamily="34" charset="0"/>
               </a:rPr>
               <a:t>PASSION AND LOVE  </a:t>
             </a:r>
@@ -4310,9 +4310,9 @@
               <a:solidFill>
                 <a:prstClr val="white"/>
               </a:solidFill>
-              <a:latin typeface="Arial" panose="020B0604020202020204" pitchFamily="34" charset="0"/>
+              <a:latin typeface="Arial" panose="020B0604020202090204" pitchFamily="34" charset="0"/>
               <a:ea typeface="微软雅黑" panose="020B0503020204020204" pitchFamily="34" charset="-122"/>
-              <a:cs typeface="Arial" panose="020B0604020202020204" pitchFamily="34" charset="0"/>
+              <a:cs typeface="Arial" panose="020B0604020202090204" pitchFamily="34" charset="0"/>
             </a:endParaRPr>
           </a:p>
         </p:txBody>
@@ -4366,7 +4366,7 @@
               <a:spcBef>
                 <a:spcPct val="20000"/>
               </a:spcBef>
-              <a:buFont typeface="Arial" panose="020B0604020202020204" pitchFamily="34" charset="0"/>
+              <a:buFont typeface="Arial" panose="020B0604020202090204" pitchFamily="34" charset="0"/>
               <a:buChar char="•"/>
               <a:defRPr sz="3200">
                 <a:solidFill>
@@ -4380,7 +4380,7 @@
               <a:spcBef>
                 <a:spcPct val="20000"/>
               </a:spcBef>
-              <a:buFont typeface="Arial" panose="020B0604020202020204" pitchFamily="34" charset="0"/>
+              <a:buFont typeface="Arial" panose="020B0604020202090204" pitchFamily="34" charset="0"/>
               <a:buChar char="–"/>
               <a:defRPr sz="2800">
                 <a:solidFill>
@@ -4394,7 +4394,7 @@
               <a:spcBef>
                 <a:spcPct val="20000"/>
               </a:spcBef>
-              <a:buFont typeface="Arial" panose="020B0604020202020204" pitchFamily="34" charset="0"/>
+              <a:buFont typeface="Arial" panose="020B0604020202090204" pitchFamily="34" charset="0"/>
               <a:buChar char="•"/>
               <a:defRPr sz="2400">
                 <a:solidFill>
@@ -4408,7 +4408,7 @@
               <a:spcBef>
                 <a:spcPct val="20000"/>
               </a:spcBef>
-              <a:buFont typeface="Arial" panose="020B0604020202020204" pitchFamily="34" charset="0"/>
+              <a:buFont typeface="Arial" panose="020B0604020202090204" pitchFamily="34" charset="0"/>
               <a:buChar char="–"/>
               <a:defRPr sz="2000">
                 <a:solidFill>
@@ -4422,7 +4422,7 @@
               <a:spcBef>
                 <a:spcPct val="20000"/>
               </a:spcBef>
-              <a:buFont typeface="Arial" panose="020B0604020202020204" pitchFamily="34" charset="0"/>
+              <a:buFont typeface="Arial" panose="020B0604020202090204" pitchFamily="34" charset="0"/>
               <a:buChar char="»"/>
               <a:defRPr sz="2000">
                 <a:solidFill>
@@ -4439,7 +4439,7 @@
               <a:spcAft>
                 <a:spcPct val="0"/>
               </a:spcAft>
-              <a:buFont typeface="Arial" panose="020B0604020202020204" pitchFamily="34" charset="0"/>
+              <a:buFont typeface="Arial" panose="020B0604020202090204" pitchFamily="34" charset="0"/>
               <a:buChar char="»"/>
               <a:defRPr sz="2000">
                 <a:solidFill>
@@ -4456,7 +4456,7 @@
               <a:spcAft>
                 <a:spcPct val="0"/>
               </a:spcAft>
-              <a:buFont typeface="Arial" panose="020B0604020202020204" pitchFamily="34" charset="0"/>
+              <a:buFont typeface="Arial" panose="020B0604020202090204" pitchFamily="34" charset="0"/>
               <a:buChar char="»"/>
               <a:defRPr sz="2000">
                 <a:solidFill>
@@ -4473,7 +4473,7 @@
               <a:spcAft>
                 <a:spcPct val="0"/>
               </a:spcAft>
-              <a:buFont typeface="Arial" panose="020B0604020202020204" pitchFamily="34" charset="0"/>
+              <a:buFont typeface="Arial" panose="020B0604020202090204" pitchFamily="34" charset="0"/>
               <a:buChar char="»"/>
               <a:defRPr sz="2000">
                 <a:solidFill>
@@ -4490,7 +4490,7 @@
               <a:spcAft>
                 <a:spcPct val="0"/>
               </a:spcAft>
-              <a:buFont typeface="Arial" panose="020B0604020202020204" pitchFamily="34" charset="0"/>
+              <a:buFont typeface="Arial" panose="020B0604020202090204" pitchFamily="34" charset="0"/>
               <a:buChar char="»"/>
               <a:defRPr sz="2000">
                 <a:solidFill>
@@ -4514,9 +4514,9 @@
                 <a:solidFill>
                   <a:prstClr val="white"/>
                 </a:solidFill>
-                <a:latin typeface="Arial" panose="020B0604020202020204" pitchFamily="34" charset="0"/>
+                <a:latin typeface="Arial" panose="020B0604020202090204" pitchFamily="34" charset="0"/>
                 <a:ea typeface="微软雅黑" panose="020B0503020204020204" pitchFamily="34" charset="-122"/>
-                <a:cs typeface="Arial" panose="020B0604020202020204" pitchFamily="34" charset="0"/>
+                <a:cs typeface="Arial" panose="020B0604020202090204" pitchFamily="34" charset="0"/>
               </a:rPr>
               <a:t>主讲人：谢飞</a:t>
             </a:r>
@@ -4524,9 +4524,9 @@
               <a:solidFill>
                 <a:prstClr val="white"/>
               </a:solidFill>
-              <a:latin typeface="Arial" panose="020B0604020202020204" pitchFamily="34" charset="0"/>
+              <a:latin typeface="Arial" panose="020B0604020202090204" pitchFamily="34" charset="0"/>
               <a:ea typeface="微软雅黑" panose="020B0503020204020204" pitchFamily="34" charset="-122"/>
-              <a:cs typeface="Arial" panose="020B0604020202020204" pitchFamily="34" charset="0"/>
+              <a:cs typeface="Arial" panose="020B0604020202090204" pitchFamily="34" charset="0"/>
             </a:endParaRPr>
           </a:p>
         </p:txBody>
@@ -5135,7 +5135,7 @@
               <a:spcBef>
                 <a:spcPct val="20000"/>
               </a:spcBef>
-              <a:buFont typeface="Arial" panose="020B0604020202020204" pitchFamily="34" charset="0"/>
+              <a:buFont typeface="Arial" panose="020B0604020202090204" pitchFamily="34" charset="0"/>
               <a:buChar char="•"/>
               <a:defRPr sz="3200">
                 <a:solidFill>
@@ -5149,7 +5149,7 @@
               <a:spcBef>
                 <a:spcPct val="20000"/>
               </a:spcBef>
-              <a:buFont typeface="Arial" panose="020B0604020202020204" pitchFamily="34" charset="0"/>
+              <a:buFont typeface="Arial" panose="020B0604020202090204" pitchFamily="34" charset="0"/>
               <a:buChar char="–"/>
               <a:defRPr sz="2800">
                 <a:solidFill>
@@ -5163,7 +5163,7 @@
               <a:spcBef>
                 <a:spcPct val="20000"/>
               </a:spcBef>
-              <a:buFont typeface="Arial" panose="020B0604020202020204" pitchFamily="34" charset="0"/>
+              <a:buFont typeface="Arial" panose="020B0604020202090204" pitchFamily="34" charset="0"/>
               <a:buChar char="•"/>
               <a:defRPr sz="2400">
                 <a:solidFill>
@@ -5177,7 +5177,7 @@
               <a:spcBef>
                 <a:spcPct val="20000"/>
               </a:spcBef>
-              <a:buFont typeface="Arial" panose="020B0604020202020204" pitchFamily="34" charset="0"/>
+              <a:buFont typeface="Arial" panose="020B0604020202090204" pitchFamily="34" charset="0"/>
               <a:buChar char="–"/>
               <a:defRPr sz="2000">
                 <a:solidFill>
@@ -5191,7 +5191,7 @@
               <a:spcBef>
                 <a:spcPct val="20000"/>
               </a:spcBef>
-              <a:buFont typeface="Arial" panose="020B0604020202020204" pitchFamily="34" charset="0"/>
+              <a:buFont typeface="Arial" panose="020B0604020202090204" pitchFamily="34" charset="0"/>
               <a:buChar char="»"/>
               <a:defRPr sz="2000">
                 <a:solidFill>
@@ -5208,7 +5208,7 @@
               <a:spcAft>
                 <a:spcPct val="0"/>
               </a:spcAft>
-              <a:buFont typeface="Arial" panose="020B0604020202020204" pitchFamily="34" charset="0"/>
+              <a:buFont typeface="Arial" panose="020B0604020202090204" pitchFamily="34" charset="0"/>
               <a:buChar char="»"/>
               <a:defRPr sz="2000">
                 <a:solidFill>
@@ -5225,7 +5225,7 @@
               <a:spcAft>
                 <a:spcPct val="0"/>
               </a:spcAft>
-              <a:buFont typeface="Arial" panose="020B0604020202020204" pitchFamily="34" charset="0"/>
+              <a:buFont typeface="Arial" panose="020B0604020202090204" pitchFamily="34" charset="0"/>
               <a:buChar char="»"/>
               <a:defRPr sz="2000">
                 <a:solidFill>
@@ -5242,7 +5242,7 @@
               <a:spcAft>
                 <a:spcPct val="0"/>
               </a:spcAft>
-              <a:buFont typeface="Arial" panose="020B0604020202020204" pitchFamily="34" charset="0"/>
+              <a:buFont typeface="Arial" panose="020B0604020202090204" pitchFamily="34" charset="0"/>
               <a:buChar char="»"/>
               <a:defRPr sz="2000">
                 <a:solidFill>
@@ -5259,7 +5259,7 @@
               <a:spcAft>
                 <a:spcPct val="0"/>
               </a:spcAft>
-              <a:buFont typeface="Arial" panose="020B0604020202020204" pitchFamily="34" charset="0"/>
+              <a:buFont typeface="Arial" panose="020B0604020202090204" pitchFamily="34" charset="0"/>
               <a:buChar char="»"/>
               <a:defRPr sz="2000">
                 <a:solidFill>
@@ -5836,9 +5836,9 @@
                 <a:solidFill>
                   <a:prstClr val="white"/>
                 </a:solidFill>
-                <a:latin typeface="Arial" panose="020B0604020202020204" pitchFamily="34" charset="0"/>
+                <a:latin typeface="Arial" panose="020B0604020202090204" pitchFamily="34" charset="0"/>
                 <a:ea typeface="微软雅黑" panose="020B0503020204020204" pitchFamily="34" charset="-122"/>
-                <a:sym typeface="Arial" panose="020B0604020202020204" pitchFamily="34" charset="0"/>
+                <a:sym typeface="Arial" panose="020B0604020202090204" pitchFamily="34" charset="0"/>
               </a:endParaRPr>
             </a:p>
           </p:txBody>
@@ -5961,9 +5961,9 @@
                   <a:solidFill>
                     <a:srgbClr val="262626"/>
                   </a:solidFill>
-                  <a:latin typeface="Arial" panose="020B0604020202020204" pitchFamily="34" charset="0"/>
+                  <a:latin typeface="Arial" panose="020B0604020202090204" pitchFamily="34" charset="0"/>
                   <a:ea typeface="微软雅黑" panose="020B0503020204020204" pitchFamily="34" charset="-122"/>
-                  <a:sym typeface="Arial" panose="020B0604020202020204" pitchFamily="34" charset="0"/>
+                  <a:sym typeface="Arial" panose="020B0604020202090204" pitchFamily="34" charset="0"/>
                 </a:endParaRPr>
               </a:p>
             </p:txBody>
@@ -6167,9 +6167,9 @@
                       <a:solidFill>
                         <a:srgbClr val="262626"/>
                       </a:solidFill>
-                      <a:latin typeface="Arial" panose="020B0604020202020204" pitchFamily="34" charset="0"/>
+                      <a:latin typeface="Arial" panose="020B0604020202090204" pitchFamily="34" charset="0"/>
                       <a:ea typeface="微软雅黑" panose="020B0503020204020204" pitchFamily="34" charset="-122"/>
-                      <a:sym typeface="Arial" panose="020B0604020202020204" pitchFamily="34" charset="0"/>
+                      <a:sym typeface="Arial" panose="020B0604020202090204" pitchFamily="34" charset="0"/>
                     </a:endParaRPr>
                   </a:p>
                 </p:txBody>
@@ -6633,9 +6633,9 @@
                       <a:solidFill>
                         <a:srgbClr val="262626"/>
                       </a:solidFill>
-                      <a:latin typeface="Arial" panose="020B0604020202020204" pitchFamily="34" charset="0"/>
+                      <a:latin typeface="Arial" panose="020B0604020202090204" pitchFamily="34" charset="0"/>
                       <a:ea typeface="微软雅黑" panose="020B0503020204020204" pitchFamily="34" charset="-122"/>
-                      <a:sym typeface="Arial" panose="020B0604020202020204" pitchFamily="34" charset="0"/>
+                      <a:sym typeface="Arial" panose="020B0604020202090204" pitchFamily="34" charset="0"/>
                     </a:endParaRPr>
                   </a:p>
                 </p:txBody>
@@ -6770,9 +6770,9 @@
                     <a:solidFill>
                       <a:srgbClr val="262626"/>
                     </a:solidFill>
-                    <a:latin typeface="Arial" panose="020B0604020202020204" pitchFamily="34" charset="0"/>
+                    <a:latin typeface="Arial" panose="020B0604020202090204" pitchFamily="34" charset="0"/>
                     <a:ea typeface="微软雅黑" panose="020B0503020204020204" pitchFamily="34" charset="-122"/>
-                    <a:sym typeface="Arial" panose="020B0604020202020204" pitchFamily="34" charset="0"/>
+                    <a:sym typeface="Arial" panose="020B0604020202090204" pitchFamily="34" charset="0"/>
                   </a:endParaRPr>
                 </a:p>
               </p:txBody>
@@ -6894,9 +6894,9 @@
                     <a:solidFill>
                       <a:srgbClr val="262626"/>
                     </a:solidFill>
-                    <a:latin typeface="Arial" panose="020B0604020202020204" pitchFamily="34" charset="0"/>
+                    <a:latin typeface="Arial" panose="020B0604020202090204" pitchFamily="34" charset="0"/>
                     <a:ea typeface="微软雅黑" panose="020B0503020204020204" pitchFamily="34" charset="-122"/>
-                    <a:sym typeface="Arial" panose="020B0604020202020204" pitchFamily="34" charset="0"/>
+                    <a:sym typeface="Arial" panose="020B0604020202090204" pitchFamily="34" charset="0"/>
                   </a:endParaRPr>
                 </a:p>
               </p:txBody>
@@ -6933,9 +6933,9 @@
                   <a:solidFill>
                     <a:srgbClr val="FFFFFF"/>
                   </a:solidFill>
-                  <a:latin typeface="Arial" panose="020B0604020202020204" pitchFamily="34" charset="0"/>
+                  <a:latin typeface="Arial" panose="020B0604020202090204" pitchFamily="34" charset="0"/>
                   <a:ea typeface="微软雅黑" panose="020B0503020204020204" pitchFamily="34" charset="-122"/>
-                  <a:sym typeface="Arial" panose="020B0604020202020204" pitchFamily="34" charset="0"/>
+                  <a:sym typeface="Arial" panose="020B0604020202090204" pitchFamily="34" charset="0"/>
                 </a:rPr>
                 <a:t>01</a:t>
               </a:r>
@@ -6943,9 +6943,9 @@
                 <a:solidFill>
                   <a:srgbClr val="FFFFFF"/>
                 </a:solidFill>
-                <a:latin typeface="Arial" panose="020B0604020202020204" pitchFamily="34" charset="0"/>
+                <a:latin typeface="Arial" panose="020B0604020202090204" pitchFamily="34" charset="0"/>
                 <a:ea typeface="微软雅黑" panose="020B0503020204020204" pitchFamily="34" charset="-122"/>
-                <a:sym typeface="Arial" panose="020B0604020202020204" pitchFamily="34" charset="0"/>
+                <a:sym typeface="Arial" panose="020B0604020202090204" pitchFamily="34" charset="0"/>
               </a:endParaRPr>
             </a:p>
           </p:txBody>
@@ -7007,9 +7007,9 @@
                   <a:solidFill>
                     <a:srgbClr val="FDFDFD"/>
                   </a:solidFill>
-                  <a:latin typeface="Arial" panose="020B0604020202020204" pitchFamily="34" charset="0"/>
+                  <a:latin typeface="Arial" panose="020B0604020202090204" pitchFamily="34" charset="0"/>
                   <a:ea typeface="微软雅黑" panose="020B0503020204020204" pitchFamily="34" charset="-122"/>
-                  <a:sym typeface="Arial" panose="020B0604020202020204" pitchFamily="34" charset="0"/>
+                  <a:sym typeface="Arial" panose="020B0604020202090204" pitchFamily="34" charset="0"/>
                 </a:rPr>
                 <a:t>What is gRPC</a:t>
               </a:r>
@@ -7017,9 +7017,9 @@
                 <a:solidFill>
                   <a:srgbClr val="FDFDFD"/>
                 </a:solidFill>
-                <a:latin typeface="Arial" panose="020B0604020202020204" pitchFamily="34" charset="0"/>
+                <a:latin typeface="Arial" panose="020B0604020202090204" pitchFamily="34" charset="0"/>
                 <a:ea typeface="微软雅黑" panose="020B0503020204020204" pitchFamily="34" charset="-122"/>
-                <a:sym typeface="Arial" panose="020B0604020202020204" pitchFamily="34" charset="0"/>
+                <a:sym typeface="Arial" panose="020B0604020202090204" pitchFamily="34" charset="0"/>
               </a:endParaRPr>
             </a:p>
           </p:txBody>
@@ -7227,9 +7227,9 @@
                 <a:solidFill>
                   <a:prstClr val="white"/>
                 </a:solidFill>
-                <a:latin typeface="Arial" panose="020B0604020202020204" pitchFamily="34" charset="0"/>
+                <a:latin typeface="Arial" panose="020B0604020202090204" pitchFamily="34" charset="0"/>
                 <a:ea typeface="微软雅黑" panose="020B0503020204020204" pitchFamily="34" charset="-122"/>
-                <a:sym typeface="Arial" panose="020B0604020202020204" pitchFamily="34" charset="0"/>
+                <a:sym typeface="Arial" panose="020B0604020202090204" pitchFamily="34" charset="0"/>
               </a:endParaRPr>
             </a:p>
           </p:txBody>
@@ -7594,9 +7594,9 @@
                 <a:solidFill>
                   <a:prstClr val="white"/>
                 </a:solidFill>
-                <a:latin typeface="Arial" panose="020B0604020202020204" pitchFamily="34" charset="0"/>
+                <a:latin typeface="Arial" panose="020B0604020202090204" pitchFamily="34" charset="0"/>
                 <a:ea typeface="微软雅黑" panose="020B0503020204020204" pitchFamily="34" charset="-122"/>
-                <a:sym typeface="Arial" panose="020B0604020202020204" pitchFamily="34" charset="0"/>
+                <a:sym typeface="Arial" panose="020B0604020202090204" pitchFamily="34" charset="0"/>
               </a:endParaRPr>
             </a:p>
           </p:txBody>
@@ -7631,9 +7631,9 @@
                   <a:solidFill>
                     <a:srgbClr val="FFFFFF"/>
                   </a:solidFill>
-                  <a:latin typeface="Arial" panose="020B0604020202020204" pitchFamily="34" charset="0"/>
+                  <a:latin typeface="Arial" panose="020B0604020202090204" pitchFamily="34" charset="0"/>
                   <a:ea typeface="微软雅黑" panose="020B0503020204020204" pitchFamily="34" charset="-122"/>
-                  <a:sym typeface="Arial" panose="020B0604020202020204" pitchFamily="34" charset="0"/>
+                  <a:sym typeface="Arial" panose="020B0604020202090204" pitchFamily="34" charset="0"/>
                 </a:rPr>
                 <a:t>02</a:t>
               </a:r>
@@ -7641,9 +7641,9 @@
                 <a:solidFill>
                   <a:srgbClr val="FFFFFF"/>
                 </a:solidFill>
-                <a:latin typeface="Arial" panose="020B0604020202020204" pitchFamily="34" charset="0"/>
+                <a:latin typeface="Arial" panose="020B0604020202090204" pitchFamily="34" charset="0"/>
                 <a:ea typeface="微软雅黑" panose="020B0503020204020204" pitchFamily="34" charset="-122"/>
-                <a:sym typeface="Arial" panose="020B0604020202020204" pitchFamily="34" charset="0"/>
+                <a:sym typeface="Arial" panose="020B0604020202090204" pitchFamily="34" charset="0"/>
               </a:endParaRPr>
             </a:p>
           </p:txBody>
@@ -7705,9 +7705,9 @@
                   <a:solidFill>
                     <a:srgbClr val="FDFDFD"/>
                   </a:solidFill>
-                  <a:latin typeface="Arial" panose="020B0604020202020204" pitchFamily="34" charset="0"/>
+                  <a:latin typeface="Arial" panose="020B0604020202090204" pitchFamily="34" charset="0"/>
                   <a:ea typeface="微软雅黑" panose="020B0503020204020204" pitchFamily="34" charset="-122"/>
-                  <a:sym typeface="Arial" panose="020B0604020202020204" pitchFamily="34" charset="0"/>
+                  <a:sym typeface="Arial" panose="020B0604020202090204" pitchFamily="34" charset="0"/>
                 </a:rPr>
                 <a:t>Advantage</a:t>
               </a:r>
@@ -7715,9 +7715,9 @@
                 <a:solidFill>
                   <a:srgbClr val="FDFDFD"/>
                 </a:solidFill>
-                <a:latin typeface="Arial" panose="020B0604020202020204" pitchFamily="34" charset="0"/>
+                <a:latin typeface="Arial" panose="020B0604020202090204" pitchFamily="34" charset="0"/>
                 <a:ea typeface="微软雅黑" panose="020B0503020204020204" pitchFamily="34" charset="-122"/>
-                <a:sym typeface="Arial" panose="020B0604020202020204" pitchFamily="34" charset="0"/>
+                <a:sym typeface="Arial" panose="020B0604020202090204" pitchFamily="34" charset="0"/>
               </a:endParaRPr>
             </a:p>
           </p:txBody>
@@ -7925,9 +7925,9 @@
                 <a:solidFill>
                   <a:prstClr val="white"/>
                 </a:solidFill>
-                <a:latin typeface="Arial" panose="020B0604020202020204" pitchFamily="34" charset="0"/>
+                <a:latin typeface="Arial" panose="020B0604020202090204" pitchFamily="34" charset="0"/>
                 <a:ea typeface="微软雅黑" panose="020B0503020204020204" pitchFamily="34" charset="-122"/>
-                <a:sym typeface="Arial" panose="020B0604020202020204" pitchFamily="34" charset="0"/>
+                <a:sym typeface="Arial" panose="020B0604020202090204" pitchFamily="34" charset="0"/>
               </a:endParaRPr>
             </a:p>
           </p:txBody>
@@ -8158,9 +8158,9 @@
                 <a:solidFill>
                   <a:prstClr val="white"/>
                 </a:solidFill>
-                <a:latin typeface="Arial" panose="020B0604020202020204" pitchFamily="34" charset="0"/>
+                <a:latin typeface="Arial" panose="020B0604020202090204" pitchFamily="34" charset="0"/>
                 <a:ea typeface="微软雅黑" panose="020B0503020204020204" pitchFamily="34" charset="-122"/>
-                <a:sym typeface="Arial" panose="020B0604020202020204" pitchFamily="34" charset="0"/>
+                <a:sym typeface="Arial" panose="020B0604020202090204" pitchFamily="34" charset="0"/>
               </a:endParaRPr>
             </a:p>
           </p:txBody>
@@ -8195,9 +8195,9 @@
                   <a:solidFill>
                     <a:srgbClr val="FFFFFF"/>
                   </a:solidFill>
-                  <a:latin typeface="Arial" panose="020B0604020202020204" pitchFamily="34" charset="0"/>
+                  <a:latin typeface="Arial" panose="020B0604020202090204" pitchFamily="34" charset="0"/>
                   <a:ea typeface="微软雅黑" panose="020B0503020204020204" pitchFamily="34" charset="-122"/>
-                  <a:sym typeface="Arial" panose="020B0604020202020204" pitchFamily="34" charset="0"/>
+                  <a:sym typeface="Arial" panose="020B0604020202090204" pitchFamily="34" charset="0"/>
                 </a:rPr>
                 <a:t>03</a:t>
               </a:r>
@@ -8205,9 +8205,9 @@
                 <a:solidFill>
                   <a:srgbClr val="FFFFFF"/>
                 </a:solidFill>
-                <a:latin typeface="Arial" panose="020B0604020202020204" pitchFamily="34" charset="0"/>
+                <a:latin typeface="Arial" panose="020B0604020202090204" pitchFamily="34" charset="0"/>
                 <a:ea typeface="微软雅黑" panose="020B0503020204020204" pitchFamily="34" charset="-122"/>
-                <a:sym typeface="Arial" panose="020B0604020202020204" pitchFamily="34" charset="0"/>
+                <a:sym typeface="Arial" panose="020B0604020202090204" pitchFamily="34" charset="0"/>
               </a:endParaRPr>
             </a:p>
           </p:txBody>
@@ -8283,9 +8283,9 @@
                     <a:solidFill>
                       <a:srgbClr val="FDFDFD"/>
                     </a:solidFill>
-                    <a:latin typeface="Arial" panose="020B0604020202020204" pitchFamily="34" charset="0"/>
+                    <a:latin typeface="Arial" panose="020B0604020202090204" pitchFamily="34" charset="0"/>
                     <a:ea typeface="微软雅黑" panose="020B0503020204020204" pitchFamily="34" charset="-122"/>
-                    <a:sym typeface="Arial" panose="020B0604020202020204" pitchFamily="34" charset="0"/>
+                    <a:sym typeface="Arial" panose="020B0604020202090204" pitchFamily="34" charset="0"/>
                   </a:rPr>
                   <a:t>Concept</a:t>
                 </a:r>
@@ -8293,9 +8293,9 @@
                   <a:solidFill>
                     <a:srgbClr val="FDFDFD"/>
                   </a:solidFill>
-                  <a:latin typeface="Arial" panose="020B0604020202020204" pitchFamily="34" charset="0"/>
+                  <a:latin typeface="Arial" panose="020B0604020202090204" pitchFamily="34" charset="0"/>
                   <a:ea typeface="微软雅黑" panose="020B0503020204020204" pitchFamily="34" charset="-122"/>
-                  <a:sym typeface="Arial" panose="020B0604020202020204" pitchFamily="34" charset="0"/>
+                  <a:sym typeface="Arial" panose="020B0604020202090204" pitchFamily="34" charset="0"/>
                 </a:endParaRPr>
               </a:p>
             </p:txBody>
@@ -8333,9 +8333,9 @@
                     <a:solidFill>
                       <a:srgbClr val="FDFDFD"/>
                     </a:solidFill>
-                    <a:latin typeface="Arial" panose="020B0604020202020204" pitchFamily="34" charset="0"/>
+                    <a:latin typeface="Arial" panose="020B0604020202090204" pitchFamily="34" charset="0"/>
                     <a:ea typeface="微软雅黑" panose="020B0503020204020204" pitchFamily="34" charset="-122"/>
-                    <a:sym typeface="Arial" panose="020B0604020202020204" pitchFamily="34" charset="0"/>
+                    <a:sym typeface="Arial" panose="020B0604020202090204" pitchFamily="34" charset="0"/>
                   </a:rPr>
                   <a:t>   </a:t>
                 </a:r>
@@ -8343,9 +8343,9 @@
                   <a:solidFill>
                     <a:srgbClr val="FDFDFD"/>
                   </a:solidFill>
-                  <a:latin typeface="Arial" panose="020B0604020202020204" pitchFamily="34" charset="0"/>
+                  <a:latin typeface="Arial" panose="020B0604020202090204" pitchFamily="34" charset="0"/>
                   <a:ea typeface="微软雅黑" panose="020B0503020204020204" pitchFamily="34" charset="-122"/>
-                  <a:sym typeface="Arial" panose="020B0604020202020204" pitchFamily="34" charset="0"/>
+                  <a:sym typeface="Arial" panose="020B0604020202090204" pitchFamily="34" charset="0"/>
                 </a:endParaRPr>
               </a:p>
             </p:txBody>
@@ -8524,9 +8524,9 @@
                 <a:solidFill>
                   <a:prstClr val="white"/>
                 </a:solidFill>
-                <a:latin typeface="Arial" panose="020B0604020202020204" pitchFamily="34" charset="0"/>
+                <a:latin typeface="Arial" panose="020B0604020202090204" pitchFamily="34" charset="0"/>
                 <a:ea typeface="微软雅黑" panose="020B0503020204020204" pitchFamily="34" charset="-122"/>
-                <a:sym typeface="Arial" panose="020B0604020202020204" pitchFamily="34" charset="0"/>
+                <a:sym typeface="Arial" panose="020B0604020202090204" pitchFamily="34" charset="0"/>
               </a:endParaRPr>
             </a:p>
           </p:txBody>
@@ -9370,9 +9370,9 @@
                 <a:solidFill>
                   <a:prstClr val="white"/>
                 </a:solidFill>
-                <a:latin typeface="Arial" panose="020B0604020202020204" pitchFamily="34" charset="0"/>
+                <a:latin typeface="Arial" panose="020B0604020202090204" pitchFamily="34" charset="0"/>
                 <a:ea typeface="微软雅黑" panose="020B0503020204020204" pitchFamily="34" charset="-122"/>
-                <a:sym typeface="Arial" panose="020B0604020202020204" pitchFamily="34" charset="0"/>
+                <a:sym typeface="Arial" panose="020B0604020202090204" pitchFamily="34" charset="0"/>
               </a:endParaRPr>
             </a:p>
           </p:txBody>
@@ -9407,9 +9407,9 @@
                   <a:solidFill>
                     <a:srgbClr val="FFFFFF"/>
                   </a:solidFill>
-                  <a:latin typeface="Arial" panose="020B0604020202020204" pitchFamily="34" charset="0"/>
+                  <a:latin typeface="Arial" panose="020B0604020202090204" pitchFamily="34" charset="0"/>
                   <a:ea typeface="微软雅黑" panose="020B0503020204020204" pitchFamily="34" charset="-122"/>
-                  <a:sym typeface="Arial" panose="020B0604020202020204" pitchFamily="34" charset="0"/>
+                  <a:sym typeface="Arial" panose="020B0604020202090204" pitchFamily="34" charset="0"/>
                 </a:rPr>
                 <a:t>04</a:t>
               </a:r>
@@ -9417,9 +9417,9 @@
                 <a:solidFill>
                   <a:srgbClr val="FFFFFF"/>
                 </a:solidFill>
-                <a:latin typeface="Arial" panose="020B0604020202020204" pitchFamily="34" charset="0"/>
+                <a:latin typeface="Arial" panose="020B0604020202090204" pitchFamily="34" charset="0"/>
                 <a:ea typeface="微软雅黑" panose="020B0503020204020204" pitchFamily="34" charset="-122"/>
-                <a:sym typeface="Arial" panose="020B0604020202020204" pitchFamily="34" charset="0"/>
+                <a:sym typeface="Arial" panose="020B0604020202090204" pitchFamily="34" charset="0"/>
               </a:endParaRPr>
             </a:p>
           </p:txBody>
@@ -9495,9 +9495,9 @@
                     <a:solidFill>
                       <a:srgbClr val="FDFDFD"/>
                     </a:solidFill>
-                    <a:latin typeface="Arial" panose="020B0604020202020204" pitchFamily="34" charset="0"/>
+                    <a:latin typeface="Arial" panose="020B0604020202090204" pitchFamily="34" charset="0"/>
                     <a:ea typeface="微软雅黑" panose="020B0503020204020204" pitchFamily="34" charset="-122"/>
-                    <a:sym typeface="Arial" panose="020B0604020202020204" pitchFamily="34" charset="0"/>
+                    <a:sym typeface="Arial" panose="020B0604020202090204" pitchFamily="34" charset="0"/>
                   </a:rPr>
                   <a:t>Hello world</a:t>
                 </a:r>
@@ -9505,9 +9505,9 @@
                   <a:solidFill>
                     <a:srgbClr val="FDFDFD"/>
                   </a:solidFill>
-                  <a:latin typeface="Arial" panose="020B0604020202020204" pitchFamily="34" charset="0"/>
+                  <a:latin typeface="Arial" panose="020B0604020202090204" pitchFamily="34" charset="0"/>
                   <a:ea typeface="微软雅黑" panose="020B0503020204020204" pitchFamily="34" charset="-122"/>
-                  <a:sym typeface="Arial" panose="020B0604020202020204" pitchFamily="34" charset="0"/>
+                  <a:sym typeface="Arial" panose="020B0604020202090204" pitchFamily="34" charset="0"/>
                 </a:endParaRPr>
               </a:p>
             </p:txBody>
@@ -9545,9 +9545,9 @@
                     <a:solidFill>
                       <a:srgbClr val="FDFDFD"/>
                     </a:solidFill>
-                    <a:latin typeface="Arial" panose="020B0604020202020204" pitchFamily="34" charset="0"/>
+                    <a:latin typeface="Arial" panose="020B0604020202090204" pitchFamily="34" charset="0"/>
                     <a:ea typeface="微软雅黑" panose="020B0503020204020204" pitchFamily="34" charset="-122"/>
-                    <a:sym typeface="Arial" panose="020B0604020202020204" pitchFamily="34" charset="0"/>
+                    <a:sym typeface="Arial" panose="020B0604020202090204" pitchFamily="34" charset="0"/>
                   </a:rPr>
                   <a:t>   </a:t>
                 </a:r>
@@ -9555,9 +9555,9 @@
                   <a:solidFill>
                     <a:srgbClr val="FDFDFD"/>
                   </a:solidFill>
-                  <a:latin typeface="Arial" panose="020B0604020202020204" pitchFamily="34" charset="0"/>
+                  <a:latin typeface="Arial" panose="020B0604020202090204" pitchFamily="34" charset="0"/>
                   <a:ea typeface="微软雅黑" panose="020B0503020204020204" pitchFamily="34" charset="-122"/>
-                  <a:sym typeface="Arial" panose="020B0604020202020204" pitchFamily="34" charset="0"/>
+                  <a:sym typeface="Arial" panose="020B0604020202090204" pitchFamily="34" charset="0"/>
                 </a:endParaRPr>
               </a:p>
             </p:txBody>
@@ -10045,9 +10045,9 @@
                 <a:solidFill>
                   <a:prstClr val="white"/>
                 </a:solidFill>
-                <a:latin typeface="Arial" panose="020B0604020202020204" pitchFamily="34" charset="0"/>
+                <a:latin typeface="Arial" panose="020B0604020202090204" pitchFamily="34" charset="0"/>
                 <a:ea typeface="微软雅黑" panose="020B0503020204020204" pitchFamily="34" charset="-122"/>
-                <a:cs typeface="Arial" panose="020B0604020202020204" pitchFamily="34" charset="0"/>
+                <a:cs typeface="Arial" panose="020B0604020202090204" pitchFamily="34" charset="0"/>
               </a:rPr>
               <a:t>1</a:t>
             </a:r>
@@ -10055,9 +10055,9 @@
               <a:solidFill>
                 <a:prstClr val="white"/>
               </a:solidFill>
-              <a:latin typeface="Arial" panose="020B0604020202020204" pitchFamily="34" charset="0"/>
+              <a:latin typeface="Arial" panose="020B0604020202090204" pitchFamily="34" charset="0"/>
               <a:ea typeface="微软雅黑" panose="020B0503020204020204" pitchFamily="34" charset="-122"/>
-              <a:cs typeface="Arial" panose="020B0604020202020204" pitchFamily="34" charset="0"/>
+              <a:cs typeface="Arial" panose="020B0604020202090204" pitchFamily="34" charset="0"/>
             </a:endParaRPr>
           </a:p>
         </p:txBody>
@@ -10896,7 +10896,7 @@
           </a:bodyPr>
           <a:p>
             <a:pPr marL="457200" indent="-457200">
-              <a:buFont typeface="Arial" panose="020B0604020202020204" pitchFamily="34" charset="0"/>
+              <a:buFont typeface="Arial" panose="020B0604020202090204" pitchFamily="34" charset="0"/>
               <a:buChar char="•"/>
             </a:pPr>
             <a:r>
@@ -10931,7 +10931,7 @@
           </a:p>
           <a:p>
             <a:pPr marL="457200" indent="-457200">
-              <a:buFont typeface="Arial" panose="020B0604020202020204" pitchFamily="34" charset="0"/>
+              <a:buFont typeface="Arial" panose="020B0604020202090204" pitchFamily="34" charset="0"/>
               <a:buChar char="•"/>
             </a:pPr>
             <a:endParaRPr lang="zh-CN" altLang="en-US" sz="3200" b="1">
@@ -10942,7 +10942,7 @@
           </a:p>
           <a:p>
             <a:pPr marL="457200" indent="-457200">
-              <a:buFont typeface="Arial" panose="020B0604020202020204" pitchFamily="34" charset="0"/>
+              <a:buFont typeface="Arial" panose="020B0604020202090204" pitchFamily="34" charset="0"/>
               <a:buChar char="•"/>
             </a:pPr>
             <a:r>
@@ -10961,7 +10961,7 @@
           </a:p>
           <a:p>
             <a:pPr marL="457200" indent="-457200">
-              <a:buFont typeface="Arial" panose="020B0604020202020204" pitchFamily="34" charset="0"/>
+              <a:buFont typeface="Arial" panose="020B0604020202090204" pitchFamily="34" charset="0"/>
               <a:buChar char="•"/>
             </a:pPr>
             <a:endParaRPr lang="zh-CN" altLang="en-US" sz="3200" b="1">
@@ -10972,7 +10972,7 @@
           </a:p>
           <a:p>
             <a:pPr marL="457200" indent="-457200">
-              <a:buFont typeface="Arial" panose="020B0604020202020204" pitchFamily="34" charset="0"/>
+              <a:buFont typeface="Arial" panose="020B0604020202090204" pitchFamily="34" charset="0"/>
               <a:buChar char="•"/>
             </a:pPr>
             <a:r>
@@ -11023,7 +11023,7 @@
           </a:p>
           <a:p>
             <a:pPr marL="457200" indent="-457200">
-              <a:buFont typeface="Arial" panose="020B0604020202020204" pitchFamily="34" charset="0"/>
+              <a:buFont typeface="Arial" panose="020B0604020202090204" pitchFamily="34" charset="0"/>
               <a:buChar char="•"/>
             </a:pPr>
             <a:endParaRPr lang="zh-CN" altLang="en-US" sz="3200" b="1">
@@ -11034,7 +11034,7 @@
           </a:p>
           <a:p>
             <a:pPr marL="457200" indent="-457200">
-              <a:buFont typeface="Arial" panose="020B0604020202020204" pitchFamily="34" charset="0"/>
+              <a:buFont typeface="Arial" panose="020B0604020202090204" pitchFamily="34" charset="0"/>
               <a:buChar char="•"/>
             </a:pPr>
             <a:r>
@@ -11216,7 +11216,7 @@
           <a:lstStyle/>
           <a:p>
             <a:pPr indent="0">
-              <a:buFont typeface="Arial" panose="020B0604020202020204" pitchFamily="34" charset="0"/>
+              <a:buFont typeface="Arial" panose="020B0604020202090204" pitchFamily="34" charset="0"/>
               <a:buNone/>
             </a:pPr>
             <a:r>
@@ -11260,7 +11260,7 @@
           </a:bodyPr>
           <a:p>
             <a:pPr indent="0">
-              <a:buFont typeface="Arial" panose="020B0604020202020204" pitchFamily="34" charset="0"/>
+              <a:buFont typeface="Arial" panose="020B0604020202090204" pitchFamily="34" charset="0"/>
               <a:buNone/>
             </a:pPr>
             <a:r>
@@ -11295,7 +11295,7 @@
           </a:p>
           <a:p>
             <a:pPr indent="0">
-              <a:buFont typeface="Arial" panose="020B0604020202020204" pitchFamily="34" charset="0"/>
+              <a:buFont typeface="Arial" panose="020B0604020202090204" pitchFamily="34" charset="0"/>
               <a:buNone/>
             </a:pPr>
             <a:endParaRPr lang="zh-CN" altLang="en-US" sz="3200" b="1">
@@ -11306,7 +11306,7 @@
           </a:p>
           <a:p>
             <a:pPr marL="457200" indent="-457200">
-              <a:buFont typeface="Arial" panose="020B0604020202020204" pitchFamily="34" charset="0"/>
+              <a:buFont typeface="Arial" panose="020B0604020202090204" pitchFamily="34" charset="0"/>
               <a:buChar char="•"/>
             </a:pPr>
             <a:r>
@@ -11325,7 +11325,7 @@
           </a:p>
           <a:p>
             <a:pPr marL="457200" indent="-457200">
-              <a:buFont typeface="Arial" panose="020B0604020202020204" pitchFamily="34" charset="0"/>
+              <a:buFont typeface="Arial" panose="020B0604020202090204" pitchFamily="34" charset="0"/>
               <a:buChar char="•"/>
             </a:pPr>
             <a:endParaRPr lang="zh-CN" altLang="en-US" sz="3200" b="1">
@@ -11336,7 +11336,7 @@
           </a:p>
           <a:p>
             <a:pPr marL="457200" indent="-457200">
-              <a:buFont typeface="Arial" panose="020B0604020202020204" pitchFamily="34" charset="0"/>
+              <a:buFont typeface="Arial" panose="020B0604020202090204" pitchFamily="34" charset="0"/>
               <a:buChar char="•"/>
             </a:pPr>
             <a:r>
@@ -11355,7 +11355,7 @@
           </a:p>
           <a:p>
             <a:pPr marL="457200" indent="-457200">
-              <a:buFont typeface="Arial" panose="020B0604020202020204" pitchFamily="34" charset="0"/>
+              <a:buFont typeface="Arial" panose="020B0604020202090204" pitchFamily="34" charset="0"/>
               <a:buChar char="•"/>
             </a:pPr>
             <a:endParaRPr lang="zh-CN" altLang="en-US" sz="3200" b="1">
@@ -11366,7 +11366,7 @@
           </a:p>
           <a:p>
             <a:pPr marL="457200" indent="-457200">
-              <a:buFont typeface="Arial" panose="020B0604020202020204" pitchFamily="34" charset="0"/>
+              <a:buFont typeface="Arial" panose="020B0604020202090204" pitchFamily="34" charset="0"/>
               <a:buChar char="•"/>
             </a:pPr>
             <a:r>
@@ -11385,7 +11385,7 @@
           </a:p>
           <a:p>
             <a:pPr marL="457200" indent="-457200">
-              <a:buFont typeface="Arial" panose="020B0604020202020204" pitchFamily="34" charset="0"/>
+              <a:buFont typeface="Arial" panose="020B0604020202090204" pitchFamily="34" charset="0"/>
               <a:buChar char="•"/>
             </a:pPr>
             <a:endParaRPr lang="zh-CN" altLang="en-US" sz="3200" b="1">
@@ -11396,7 +11396,7 @@
           </a:p>
           <a:p>
             <a:pPr marL="457200" indent="-457200">
-              <a:buFont typeface="Arial" panose="020B0604020202020204" pitchFamily="34" charset="0"/>
+              <a:buFont typeface="Arial" panose="020B0604020202090204" pitchFamily="34" charset="0"/>
               <a:buChar char="•"/>
             </a:pPr>
             <a:r>
@@ -11454,24 +11454,6 @@
       <p:grpSpPr/>
       <p:sp>
         <p:nvSpPr>
-          <p:cNvPr id="2" name="标题 1"/>
-          <p:cNvSpPr>
-            <a:spLocks noGrp="1"/>
-          </p:cNvSpPr>
-          <p:nvPr>
-            <p:ph type="title"/>
-          </p:nvPr>
-        </p:nvSpPr>
-        <p:spPr/>
-        <p:txBody>
-          <a:bodyPr/>
-          <a:p>
-            <a:endParaRPr lang="zh-CN" altLang="en-US"/>
-          </a:p>
-        </p:txBody>
-      </p:sp>
-      <p:sp>
-        <p:nvSpPr>
           <p:cNvPr id="3" name="内容占位符 2"/>
           <p:cNvSpPr>
             <a:spLocks noGrp="1"/>
@@ -11663,7 +11645,7 @@
           </a:bodyPr>
           <a:p>
             <a:pPr indent="0">
-              <a:buFont typeface="Arial" panose="020B0604020202020204" pitchFamily="34" charset="0"/>
+              <a:buFont typeface="Arial" panose="020B0604020202090204" pitchFamily="34" charset="0"/>
               <a:buNone/>
             </a:pPr>
             <a:r>
@@ -11802,9 +11784,9 @@
                 <a:solidFill>
                   <a:prstClr val="white"/>
                 </a:solidFill>
-                <a:latin typeface="Arial" panose="020B0604020202020204" pitchFamily="34" charset="0"/>
+                <a:latin typeface="Arial" panose="020B0604020202090204" pitchFamily="34" charset="0"/>
                 <a:ea typeface="微软雅黑" panose="020B0503020204020204" pitchFamily="34" charset="-122"/>
-                <a:cs typeface="Arial" panose="020B0604020202020204" pitchFamily="34" charset="0"/>
+                <a:cs typeface="Arial" panose="020B0604020202090204" pitchFamily="34" charset="0"/>
               </a:rPr>
               <a:t>2</a:t>
             </a:r>
@@ -11812,9 +11794,9 @@
               <a:solidFill>
                 <a:prstClr val="white"/>
               </a:solidFill>
-              <a:latin typeface="Arial" panose="020B0604020202020204" pitchFamily="34" charset="0"/>
+              <a:latin typeface="Arial" panose="020B0604020202090204" pitchFamily="34" charset="0"/>
               <a:ea typeface="微软雅黑" panose="020B0503020204020204" pitchFamily="34" charset="-122"/>
-              <a:cs typeface="Arial" panose="020B0604020202020204" pitchFamily="34" charset="0"/>
+              <a:cs typeface="Arial" panose="020B0604020202090204" pitchFamily="34" charset="0"/>
             </a:endParaRPr>
           </a:p>
         </p:txBody>
@@ -11858,24 +11840,6 @@
       <p:grpSpPr/>
       <p:sp>
         <p:nvSpPr>
-          <p:cNvPr id="2" name="标题 1"/>
-          <p:cNvSpPr>
-            <a:spLocks noGrp="1"/>
-          </p:cNvSpPr>
-          <p:nvPr>
-            <p:ph type="title"/>
-          </p:nvPr>
-        </p:nvSpPr>
-        <p:spPr/>
-        <p:txBody>
-          <a:bodyPr/>
-          <a:p>
-            <a:endParaRPr lang="zh-CN" altLang="en-US"/>
-          </a:p>
-        </p:txBody>
-      </p:sp>
-      <p:sp>
-        <p:nvSpPr>
           <p:cNvPr id="3" name="内容占位符 2"/>
           <p:cNvSpPr>
             <a:spLocks noGrp="1"/>
@@ -12041,7 +12005,7 @@
           </a:bodyPr>
           <a:p>
             <a:pPr indent="0">
-              <a:buFont typeface="Arial" panose="020B0604020202020204" pitchFamily="34" charset="0"/>
+              <a:buFont typeface="Arial" panose="020B0604020202090204" pitchFamily="34" charset="0"/>
               <a:buNone/>
             </a:pPr>
             <a:r>
@@ -12122,7 +12086,7 @@
           </a:p>
           <a:p>
             <a:pPr marL="457200" indent="-457200">
-              <a:buFont typeface="Arial" panose="020B0604020202020204" pitchFamily="34" charset="0"/>
+              <a:buFont typeface="Arial" panose="020B0604020202090204" pitchFamily="34" charset="0"/>
               <a:buChar char="•"/>
             </a:pPr>
             <a:r>
@@ -12183,7 +12147,7 @@
           </a:p>
           <a:p>
             <a:pPr marL="457200" indent="-457200">
-              <a:buFont typeface="Arial" panose="020B0604020202020204" pitchFamily="34" charset="0"/>
+              <a:buFont typeface="Arial" panose="020B0604020202090204" pitchFamily="34" charset="0"/>
               <a:buChar char="•"/>
             </a:pPr>
             <a:r>
@@ -12204,7 +12168,7 @@
           </a:p>
           <a:p>
             <a:pPr marL="457200" indent="-457200">
-              <a:buFont typeface="Arial" panose="020B0604020202020204" pitchFamily="34" charset="0"/>
+              <a:buFont typeface="Arial" panose="020B0604020202090204" pitchFamily="34" charset="0"/>
               <a:buChar char="•"/>
             </a:pPr>
             <a:r>
@@ -12310,7 +12274,7 @@
               <a:spcBef>
                 <a:spcPct val="20000"/>
               </a:spcBef>
-              <a:buFont typeface="Arial" panose="020B0604020202020204" pitchFamily="34" charset="0"/>
+              <a:buFont typeface="Arial" panose="020B0604020202090204" pitchFamily="34" charset="0"/>
               <a:buChar char="•"/>
               <a:defRPr sz="3200">
                 <a:solidFill>
@@ -12324,7 +12288,7 @@
               <a:spcBef>
                 <a:spcPct val="20000"/>
               </a:spcBef>
-              <a:buFont typeface="Arial" panose="020B0604020202020204" pitchFamily="34" charset="0"/>
+              <a:buFont typeface="Arial" panose="020B0604020202090204" pitchFamily="34" charset="0"/>
               <a:buChar char="–"/>
               <a:defRPr sz="2800">
                 <a:solidFill>
@@ -12338,7 +12302,7 @@
               <a:spcBef>
                 <a:spcPct val="20000"/>
               </a:spcBef>
-              <a:buFont typeface="Arial" panose="020B0604020202020204" pitchFamily="34" charset="0"/>
+              <a:buFont typeface="Arial" panose="020B0604020202090204" pitchFamily="34" charset="0"/>
               <a:buChar char="•"/>
               <a:defRPr sz="2400">
                 <a:solidFill>
@@ -12352,7 +12316,7 @@
               <a:spcBef>
                 <a:spcPct val="20000"/>
               </a:spcBef>
-              <a:buFont typeface="Arial" panose="020B0604020202020204" pitchFamily="34" charset="0"/>
+              <a:buFont typeface="Arial" panose="020B0604020202090204" pitchFamily="34" charset="0"/>
               <a:buChar char="–"/>
               <a:defRPr sz="2000">
                 <a:solidFill>
@@ -12366,7 +12330,7 @@
               <a:spcBef>
                 <a:spcPct val="20000"/>
               </a:spcBef>
-              <a:buFont typeface="Arial" panose="020B0604020202020204" pitchFamily="34" charset="0"/>
+              <a:buFont typeface="Arial" panose="020B0604020202090204" pitchFamily="34" charset="0"/>
               <a:buChar char="»"/>
               <a:defRPr sz="2000">
                 <a:solidFill>
@@ -12383,7 +12347,7 @@
               <a:spcAft>
                 <a:spcPct val="0"/>
               </a:spcAft>
-              <a:buFont typeface="Arial" panose="020B0604020202020204" pitchFamily="34" charset="0"/>
+              <a:buFont typeface="Arial" panose="020B0604020202090204" pitchFamily="34" charset="0"/>
               <a:buChar char="»"/>
               <a:defRPr sz="2000">
                 <a:solidFill>
@@ -12400,7 +12364,7 @@
               <a:spcAft>
                 <a:spcPct val="0"/>
               </a:spcAft>
-              <a:buFont typeface="Arial" panose="020B0604020202020204" pitchFamily="34" charset="0"/>
+              <a:buFont typeface="Arial" panose="020B0604020202090204" pitchFamily="34" charset="0"/>
               <a:buChar char="»"/>
               <a:defRPr sz="2000">
                 <a:solidFill>
@@ -12417,7 +12381,7 @@
               <a:spcAft>
                 <a:spcPct val="0"/>
               </a:spcAft>
-              <a:buFont typeface="Arial" panose="020B0604020202020204" pitchFamily="34" charset="0"/>
+              <a:buFont typeface="Arial" panose="020B0604020202090204" pitchFamily="34" charset="0"/>
               <a:buChar char="»"/>
               <a:defRPr sz="2000">
                 <a:solidFill>
@@ -12434,7 +12398,7 @@
               <a:spcAft>
                 <a:spcPct val="0"/>
               </a:spcAft>
-              <a:buFont typeface="Arial" panose="020B0604020202020204" pitchFamily="34" charset="0"/>
+              <a:buFont typeface="Arial" panose="020B0604020202090204" pitchFamily="34" charset="0"/>
               <a:buChar char="»"/>
               <a:defRPr sz="2000">
                 <a:solidFill>
@@ -12941,7 +12905,7 @@
           </a:bodyPr>
           <a:p>
             <a:pPr indent="0">
-              <a:buFont typeface="Arial" panose="020B0604020202020204" pitchFamily="34" charset="0"/>
+              <a:buFont typeface="Arial" panose="020B0604020202090204" pitchFamily="34" charset="0"/>
               <a:buNone/>
             </a:pPr>
             <a:r>
@@ -13075,29 +13039,6 @@
       <p:grpSpPr/>
       <p:sp>
         <p:nvSpPr>
-          <p:cNvPr id="2" name="标题 1"/>
-          <p:cNvSpPr>
-            <a:spLocks noGrp="1"/>
-          </p:cNvSpPr>
-          <p:nvPr>
-            <p:ph type="title"/>
-          </p:nvPr>
-        </p:nvSpPr>
-        <p:spPr>
-          <a:xfrm>
-            <a:off x="566420" y="133352"/>
-            <a:ext cx="10515600" cy="1325563"/>
-          </a:xfrm>
-        </p:spPr>
-        <p:txBody>
-          <a:bodyPr/>
-          <a:p>
-            <a:endParaRPr lang="zh-CN" altLang="en-US"/>
-          </a:p>
-        </p:txBody>
-      </p:sp>
-      <p:sp>
-        <p:nvSpPr>
           <p:cNvPr id="3" name="内容占位符 2"/>
           <p:cNvSpPr>
             <a:spLocks noGrp="1"/>
@@ -13235,7 +13176,7 @@
           </a:bodyPr>
           <a:p>
             <a:pPr indent="0">
-              <a:buFont typeface="Arial" panose="020B0604020202020204" pitchFamily="34" charset="0"/>
+              <a:buFont typeface="Arial" panose="020B0604020202090204" pitchFamily="34" charset="0"/>
               <a:buNone/>
             </a:pPr>
             <a:r>
@@ -13330,7 +13271,7 @@
           </a:bodyPr>
           <a:p>
             <a:pPr indent="0">
-              <a:buFont typeface="Arial" panose="020B0604020202020204" pitchFamily="34" charset="0"/>
+              <a:buFont typeface="Arial" panose="020B0604020202090204" pitchFamily="34" charset="0"/>
               <a:buNone/>
             </a:pPr>
             <a:r>
@@ -13822,9 +13763,9 @@
                 <a:solidFill>
                   <a:prstClr val="white"/>
                 </a:solidFill>
-                <a:latin typeface="Arial" panose="020B0604020202020204" pitchFamily="34" charset="0"/>
+                <a:latin typeface="Arial" panose="020B0604020202090204" pitchFamily="34" charset="0"/>
                 <a:ea typeface="微软雅黑" panose="020B0503020204020204" pitchFamily="34" charset="-122"/>
-                <a:cs typeface="Arial" panose="020B0604020202020204" pitchFamily="34" charset="0"/>
+                <a:cs typeface="Arial" panose="020B0604020202090204" pitchFamily="34" charset="0"/>
               </a:rPr>
               <a:t>3</a:t>
             </a:r>
@@ -13832,9 +13773,9 @@
               <a:solidFill>
                 <a:prstClr val="white"/>
               </a:solidFill>
-              <a:latin typeface="Arial" panose="020B0604020202020204" pitchFamily="34" charset="0"/>
+              <a:latin typeface="Arial" panose="020B0604020202090204" pitchFamily="34" charset="0"/>
               <a:ea typeface="微软雅黑" panose="020B0503020204020204" pitchFamily="34" charset="-122"/>
-              <a:cs typeface="Arial" panose="020B0604020202020204" pitchFamily="34" charset="0"/>
+              <a:cs typeface="Arial" panose="020B0604020202090204" pitchFamily="34" charset="0"/>
             </a:endParaRPr>
           </a:p>
         </p:txBody>
@@ -13878,29 +13819,6 @@
       <p:grpSpPr/>
       <p:sp>
         <p:nvSpPr>
-          <p:cNvPr id="2" name="标题 1"/>
-          <p:cNvSpPr>
-            <a:spLocks noGrp="1"/>
-          </p:cNvSpPr>
-          <p:nvPr>
-            <p:ph type="title"/>
-          </p:nvPr>
-        </p:nvSpPr>
-        <p:spPr>
-          <a:xfrm>
-            <a:off x="566420" y="133352"/>
-            <a:ext cx="10515600" cy="1325563"/>
-          </a:xfrm>
-        </p:spPr>
-        <p:txBody>
-          <a:bodyPr/>
-          <a:p>
-            <a:endParaRPr lang="zh-CN" altLang="en-US"/>
-          </a:p>
-        </p:txBody>
-      </p:sp>
-      <p:sp>
-        <p:nvSpPr>
           <p:cNvPr id="3" name="内容占位符 2"/>
           <p:cNvSpPr>
             <a:spLocks noGrp="1"/>
@@ -14022,7 +13940,7 @@
           </a:bodyPr>
           <a:p>
             <a:pPr indent="0">
-              <a:buFont typeface="Arial" panose="020B0604020202020204" pitchFamily="34" charset="0"/>
+              <a:buFont typeface="Arial" panose="020B0604020202090204" pitchFamily="34" charset="0"/>
               <a:buNone/>
             </a:pPr>
             <a:r>
@@ -14097,29 +14015,6 @@
       <p:grpSpPr/>
       <p:sp>
         <p:nvSpPr>
-          <p:cNvPr id="2" name="标题 1"/>
-          <p:cNvSpPr>
-            <a:spLocks noGrp="1"/>
-          </p:cNvSpPr>
-          <p:nvPr>
-            <p:ph type="title"/>
-          </p:nvPr>
-        </p:nvSpPr>
-        <p:spPr>
-          <a:xfrm>
-            <a:off x="566420" y="133352"/>
-            <a:ext cx="10515600" cy="1325563"/>
-          </a:xfrm>
-        </p:spPr>
-        <p:txBody>
-          <a:bodyPr/>
-          <a:p>
-            <a:endParaRPr lang="zh-CN" altLang="en-US"/>
-          </a:p>
-        </p:txBody>
-      </p:sp>
-      <p:sp>
-        <p:nvSpPr>
           <p:cNvPr id="3" name="内容占位符 2"/>
           <p:cNvSpPr>
             <a:spLocks noGrp="1"/>
@@ -14251,7 +14146,7 @@
           </a:bodyPr>
           <a:p>
             <a:pPr indent="0">
-              <a:buFont typeface="Arial" panose="020B0604020202020204" pitchFamily="34" charset="0"/>
+              <a:buFont typeface="Arial" panose="020B0604020202090204" pitchFamily="34" charset="0"/>
               <a:buNone/>
             </a:pPr>
             <a:r>
@@ -14358,9 +14253,9 @@
                 <a:solidFill>
                   <a:srgbClr val="FDFDFD"/>
                 </a:solidFill>
-                <a:latin typeface="Arial" panose="020B0604020202020204" pitchFamily="34" charset="0"/>
+                <a:latin typeface="Arial" panose="020B0604020202090204" pitchFamily="34" charset="0"/>
                 <a:ea typeface="微软雅黑" panose="020B0503020204020204" pitchFamily="34" charset="-122"/>
-                <a:sym typeface="Arial" panose="020B0604020202020204" pitchFamily="34" charset="0"/>
+                <a:sym typeface="Arial" panose="020B0604020202090204" pitchFamily="34" charset="0"/>
               </a:rPr>
               <a:t>Hello world</a:t>
             </a:r>
@@ -14368,9 +14263,9 @@
               <a:solidFill>
                 <a:srgbClr val="FDFDFD"/>
               </a:solidFill>
-              <a:latin typeface="Arial" panose="020B0604020202020204" pitchFamily="34" charset="0"/>
+              <a:latin typeface="Arial" panose="020B0604020202090204" pitchFamily="34" charset="0"/>
               <a:ea typeface="微软雅黑" panose="020B0503020204020204" pitchFamily="34" charset="-122"/>
-              <a:sym typeface="Arial" panose="020B0604020202020204" pitchFamily="34" charset="0"/>
+              <a:sym typeface="Arial" panose="020B0604020202090204" pitchFamily="34" charset="0"/>
             </a:endParaRPr>
           </a:p>
           <a:p>
@@ -14412,9 +14307,9 @@
                 <a:solidFill>
                   <a:prstClr val="white"/>
                 </a:solidFill>
-                <a:latin typeface="Arial" panose="020B0604020202020204" pitchFamily="34" charset="0"/>
+                <a:latin typeface="Arial" panose="020B0604020202090204" pitchFamily="34" charset="0"/>
                 <a:ea typeface="微软雅黑" panose="020B0503020204020204" pitchFamily="34" charset="-122"/>
-                <a:cs typeface="Arial" panose="020B0604020202020204" pitchFamily="34" charset="0"/>
+                <a:cs typeface="Arial" panose="020B0604020202090204" pitchFamily="34" charset="0"/>
               </a:rPr>
               <a:t>4</a:t>
             </a:r>
@@ -14422,9 +14317,9 @@
               <a:solidFill>
                 <a:prstClr val="white"/>
               </a:solidFill>
-              <a:latin typeface="Arial" panose="020B0604020202020204" pitchFamily="34" charset="0"/>
+              <a:latin typeface="Arial" panose="020B0604020202090204" pitchFamily="34" charset="0"/>
               <a:ea typeface="微软雅黑" panose="020B0503020204020204" pitchFamily="34" charset="-122"/>
-              <a:cs typeface="Arial" panose="020B0604020202020204" pitchFamily="34" charset="0"/>
+              <a:cs typeface="Arial" panose="020B0604020202090204" pitchFamily="34" charset="0"/>
             </a:endParaRPr>
           </a:p>
         </p:txBody>
@@ -14468,29 +14363,6 @@
       <p:grpSpPr/>
       <p:sp>
         <p:nvSpPr>
-          <p:cNvPr id="2" name="标题 1"/>
-          <p:cNvSpPr>
-            <a:spLocks noGrp="1"/>
-          </p:cNvSpPr>
-          <p:nvPr>
-            <p:ph type="title"/>
-          </p:nvPr>
-        </p:nvSpPr>
-        <p:spPr>
-          <a:xfrm>
-            <a:off x="566420" y="133352"/>
-            <a:ext cx="10515600" cy="1325563"/>
-          </a:xfrm>
-        </p:spPr>
-        <p:txBody>
-          <a:bodyPr/>
-          <a:p>
-            <a:endParaRPr lang="zh-CN" altLang="en-US"/>
-          </a:p>
-        </p:txBody>
-      </p:sp>
-      <p:sp>
-        <p:nvSpPr>
           <p:cNvPr id="3" name="内容占位符 2"/>
           <p:cNvSpPr>
             <a:spLocks noGrp="1"/>
@@ -14557,29 +14429,6 @@
         <p:nvPr/>
       </p:nvGrpSpPr>
       <p:grpSpPr/>
-      <p:sp>
-        <p:nvSpPr>
-          <p:cNvPr id="2" name="标题 1"/>
-          <p:cNvSpPr>
-            <a:spLocks noGrp="1"/>
-          </p:cNvSpPr>
-          <p:nvPr>
-            <p:ph type="title"/>
-          </p:nvPr>
-        </p:nvSpPr>
-        <p:spPr>
-          <a:xfrm>
-            <a:off x="566420" y="133352"/>
-            <a:ext cx="10515600" cy="1325563"/>
-          </a:xfrm>
-        </p:spPr>
-        <p:txBody>
-          <a:bodyPr/>
-          <a:p>
-            <a:endParaRPr lang="zh-CN" altLang="en-US"/>
-          </a:p>
-        </p:txBody>
-      </p:sp>
       <p:sp>
         <p:nvSpPr>
           <p:cNvPr id="3" name="内容占位符 2"/>
@@ -14660,14 +14509,26 @@
         </p:nvSpPr>
         <p:spPr>
           <a:xfrm>
-            <a:off x="566420" y="133352"/>
+            <a:off x="676910" y="2651762"/>
             <a:ext cx="10515600" cy="1325563"/>
           </a:xfrm>
         </p:spPr>
         <p:txBody>
           <a:bodyPr/>
           <a:p>
-            <a:endParaRPr lang="zh-CN" altLang="en-US"/>
+            <a:r>
+              <a:rPr lang="zh-CN" altLang="en-US" sz="2800" b="1">
+                <a:solidFill>
+                  <a:schemeClr val="bg1"/>
+                </a:solidFill>
+              </a:rPr>
+              <a:t>https://github.com/SingASongForU/grpc-demo.git</a:t>
+            </a:r>
+            <a:endParaRPr lang="zh-CN" altLang="en-US" sz="2800" b="1">
+              <a:solidFill>
+                <a:schemeClr val="bg1"/>
+              </a:solidFill>
+            </a:endParaRPr>
           </a:p>
         </p:txBody>
       </p:sp>
@@ -14696,9 +14557,17 @@
                   <a:schemeClr val="bg1"/>
                 </a:solidFill>
               </a:rPr>
-              <a:t>项目地址</a:t>
-            </a:r>
-            <a:endParaRPr lang="zh-CN" altLang="en-US" sz="3600" b="1">
+              <a:t>项目地址 </a:t>
+            </a:r>
+            <a:r>
+              <a:rPr lang="en-US" altLang="zh-CN" sz="3600" b="1">
+                <a:solidFill>
+                  <a:schemeClr val="bg1"/>
+                </a:solidFill>
+              </a:rPr>
+              <a:t>(ppt+source)</a:t>
+            </a:r>
+            <a:endParaRPr lang="en-US" altLang="zh-CN" sz="3600" b="1">
               <a:solidFill>
                 <a:schemeClr val="bg1"/>
               </a:solidFill>
@@ -14910,7 +14779,7 @@
               <a:spcBef>
                 <a:spcPct val="20000"/>
               </a:spcBef>
-              <a:buFont typeface="Arial" panose="020B0604020202020204" pitchFamily="34" charset="0"/>
+              <a:buFont typeface="Arial" panose="020B0604020202090204" pitchFamily="34" charset="0"/>
               <a:buChar char="•"/>
               <a:defRPr sz="3200">
                 <a:solidFill>
@@ -14924,7 +14793,7 @@
               <a:spcBef>
                 <a:spcPct val="20000"/>
               </a:spcBef>
-              <a:buFont typeface="Arial" panose="020B0604020202020204" pitchFamily="34" charset="0"/>
+              <a:buFont typeface="Arial" panose="020B0604020202090204" pitchFamily="34" charset="0"/>
               <a:buChar char="–"/>
               <a:defRPr sz="2800">
                 <a:solidFill>
@@ -14938,7 +14807,7 @@
               <a:spcBef>
                 <a:spcPct val="20000"/>
               </a:spcBef>
-              <a:buFont typeface="Arial" panose="020B0604020202020204" pitchFamily="34" charset="0"/>
+              <a:buFont typeface="Arial" panose="020B0604020202090204" pitchFamily="34" charset="0"/>
               <a:buChar char="•"/>
               <a:defRPr sz="2400">
                 <a:solidFill>
@@ -14952,7 +14821,7 @@
               <a:spcBef>
                 <a:spcPct val="20000"/>
               </a:spcBef>
-              <a:buFont typeface="Arial" panose="020B0604020202020204" pitchFamily="34" charset="0"/>
+              <a:buFont typeface="Arial" panose="020B0604020202090204" pitchFamily="34" charset="0"/>
               <a:buChar char="–"/>
               <a:defRPr sz="2000">
                 <a:solidFill>
@@ -14966,7 +14835,7 @@
               <a:spcBef>
                 <a:spcPct val="20000"/>
               </a:spcBef>
-              <a:buFont typeface="Arial" panose="020B0604020202020204" pitchFamily="34" charset="0"/>
+              <a:buFont typeface="Arial" panose="020B0604020202090204" pitchFamily="34" charset="0"/>
               <a:buChar char="»"/>
               <a:defRPr sz="2000">
                 <a:solidFill>
@@ -14983,7 +14852,7 @@
               <a:spcAft>
                 <a:spcPct val="0"/>
               </a:spcAft>
-              <a:buFont typeface="Arial" panose="020B0604020202020204" pitchFamily="34" charset="0"/>
+              <a:buFont typeface="Arial" panose="020B0604020202090204" pitchFamily="34" charset="0"/>
               <a:buChar char="»"/>
               <a:defRPr sz="2000">
                 <a:solidFill>
@@ -15000,7 +14869,7 @@
               <a:spcAft>
                 <a:spcPct val="0"/>
               </a:spcAft>
-              <a:buFont typeface="Arial" panose="020B0604020202020204" pitchFamily="34" charset="0"/>
+              <a:buFont typeface="Arial" panose="020B0604020202090204" pitchFamily="34" charset="0"/>
               <a:buChar char="»"/>
               <a:defRPr sz="2000">
                 <a:solidFill>
@@ -15017,7 +14886,7 @@
               <a:spcAft>
                 <a:spcPct val="0"/>
               </a:spcAft>
-              <a:buFont typeface="Arial" panose="020B0604020202020204" pitchFamily="34" charset="0"/>
+              <a:buFont typeface="Arial" panose="020B0604020202090204" pitchFamily="34" charset="0"/>
               <a:buChar char="»"/>
               <a:defRPr sz="2000">
                 <a:solidFill>
@@ -15034,7 +14903,7 @@
               <a:spcAft>
                 <a:spcPct val="0"/>
               </a:spcAft>
-              <a:buFont typeface="Arial" panose="020B0604020202020204" pitchFamily="34" charset="0"/>
+              <a:buFont typeface="Arial" panose="020B0604020202090204" pitchFamily="34" charset="0"/>
               <a:buChar char="»"/>
               <a:defRPr sz="2000">
                 <a:solidFill>
@@ -15058,9 +14927,9 @@
                 <a:solidFill>
                   <a:prstClr val="white"/>
                 </a:solidFill>
-                <a:latin typeface="Arial" panose="020B0604020202020204" pitchFamily="34" charset="0"/>
+                <a:latin typeface="Arial" panose="020B0604020202090204" pitchFamily="34" charset="0"/>
                 <a:ea typeface="微软雅黑" panose="020B0503020204020204" pitchFamily="34" charset="-122"/>
-                <a:cs typeface="Arial" panose="020B0604020202020204" pitchFamily="34" charset="0"/>
+                <a:cs typeface="Arial" panose="020B0604020202090204" pitchFamily="34" charset="0"/>
               </a:rPr>
               <a:t>THE FINAL DESIGN </a:t>
             </a:r>
@@ -15068,9 +14937,9 @@
               <a:solidFill>
                 <a:prstClr val="white"/>
               </a:solidFill>
-              <a:latin typeface="Arial" panose="020B0604020202020204" pitchFamily="34" charset="0"/>
+              <a:latin typeface="Arial" panose="020B0604020202090204" pitchFamily="34" charset="0"/>
               <a:ea typeface="微软雅黑" panose="020B0503020204020204" pitchFamily="34" charset="-122"/>
-              <a:cs typeface="Arial" panose="020B0604020202020204" pitchFamily="34" charset="0"/>
+              <a:cs typeface="Arial" panose="020B0604020202090204" pitchFamily="34" charset="0"/>
             </a:endParaRPr>
           </a:p>
         </p:txBody>
@@ -15398,7 +15267,7 @@
               <a:spcBef>
                 <a:spcPct val="20000"/>
               </a:spcBef>
-              <a:buFont typeface="Arial" panose="020B0604020202020204" pitchFamily="34" charset="0"/>
+              <a:buFont typeface="Arial" panose="020B0604020202090204" pitchFamily="34" charset="0"/>
               <a:buChar char="•"/>
               <a:defRPr sz="3200">
                 <a:solidFill>
@@ -15412,7 +15281,7 @@
               <a:spcBef>
                 <a:spcPct val="20000"/>
               </a:spcBef>
-              <a:buFont typeface="Arial" panose="020B0604020202020204" pitchFamily="34" charset="0"/>
+              <a:buFont typeface="Arial" panose="020B0604020202090204" pitchFamily="34" charset="0"/>
               <a:buChar char="–"/>
               <a:defRPr sz="2800">
                 <a:solidFill>
@@ -15426,7 +15295,7 @@
               <a:spcBef>
                 <a:spcPct val="20000"/>
               </a:spcBef>
-              <a:buFont typeface="Arial" panose="020B0604020202020204" pitchFamily="34" charset="0"/>
+              <a:buFont typeface="Arial" panose="020B0604020202090204" pitchFamily="34" charset="0"/>
               <a:buChar char="•"/>
               <a:defRPr sz="2400">
                 <a:solidFill>
@@ -15440,7 +15309,7 @@
               <a:spcBef>
                 <a:spcPct val="20000"/>
               </a:spcBef>
-              <a:buFont typeface="Arial" panose="020B0604020202020204" pitchFamily="34" charset="0"/>
+              <a:buFont typeface="Arial" panose="020B0604020202090204" pitchFamily="34" charset="0"/>
               <a:buChar char="–"/>
               <a:defRPr sz="2000">
                 <a:solidFill>
@@ -15454,7 +15323,7 @@
               <a:spcBef>
                 <a:spcPct val="20000"/>
               </a:spcBef>
-              <a:buFont typeface="Arial" panose="020B0604020202020204" pitchFamily="34" charset="0"/>
+              <a:buFont typeface="Arial" panose="020B0604020202090204" pitchFamily="34" charset="0"/>
               <a:buChar char="»"/>
               <a:defRPr sz="2000">
                 <a:solidFill>
@@ -15471,7 +15340,7 @@
               <a:spcAft>
                 <a:spcPct val="0"/>
               </a:spcAft>
-              <a:buFont typeface="Arial" panose="020B0604020202020204" pitchFamily="34" charset="0"/>
+              <a:buFont typeface="Arial" panose="020B0604020202090204" pitchFamily="34" charset="0"/>
               <a:buChar char="»"/>
               <a:defRPr sz="2000">
                 <a:solidFill>
@@ -15488,7 +15357,7 @@
               <a:spcAft>
                 <a:spcPct val="0"/>
               </a:spcAft>
-              <a:buFont typeface="Arial" panose="020B0604020202020204" pitchFamily="34" charset="0"/>
+              <a:buFont typeface="Arial" panose="020B0604020202090204" pitchFamily="34" charset="0"/>
               <a:buChar char="»"/>
               <a:defRPr sz="2000">
                 <a:solidFill>
@@ -15505,7 +15374,7 @@
               <a:spcAft>
                 <a:spcPct val="0"/>
               </a:spcAft>
-              <a:buFont typeface="Arial" panose="020B0604020202020204" pitchFamily="34" charset="0"/>
+              <a:buFont typeface="Arial" panose="020B0604020202090204" pitchFamily="34" charset="0"/>
               <a:buChar char="»"/>
               <a:defRPr sz="2000">
                 <a:solidFill>
@@ -15522,7 +15391,7 @@
               <a:spcAft>
                 <a:spcPct val="0"/>
               </a:spcAft>
-              <a:buFont typeface="Arial" panose="020B0604020202020204" pitchFamily="34" charset="0"/>
+              <a:buFont typeface="Arial" panose="020B0604020202090204" pitchFamily="34" charset="0"/>
               <a:buChar char="»"/>
               <a:defRPr sz="2000">
                 <a:solidFill>

--- a/gRPC培训-1.0.pptx
+++ b/gRPC培训-1.0.pptx
@@ -17183,8 +17183,8 @@
         </p:nvSpPr>
         <p:spPr>
           <a:xfrm>
-            <a:off x="989965" y="1773555"/>
-            <a:ext cx="9001125" cy="4246245"/>
+            <a:off x="520065" y="1773555"/>
+            <a:ext cx="9001125" cy="2676525"/>
           </a:xfrm>
           <a:prstGeom prst="rect">
             <a:avLst/>
@@ -17197,21 +17197,29 @@
           </a:bodyPr>
           <a:p>
             <a:r>
-              <a:rPr lang="en-US" altLang="zh-CN" sz="5400" b="1">
+              <a:rPr lang="en-US" altLang="zh-CN" sz="2800" b="1">
                 <a:solidFill>
                   <a:schemeClr val="bg1"/>
                 </a:solidFill>
               </a:rPr>
               <a:t>fn main() {</a:t>
             </a:r>
-            <a:endParaRPr lang="en-US" altLang="zh-CN" sz="5400" b="1">
+            <a:endParaRPr lang="en-US" altLang="zh-CN" sz="2800" b="1">
               <a:solidFill>
                 <a:schemeClr val="bg1"/>
               </a:solidFill>
             </a:endParaRPr>
           </a:p>
           <a:p>
-            <a:endParaRPr lang="en-US" altLang="zh-CN" sz="5400" b="1">
+            <a:r>
+              <a:rPr lang="en-US" altLang="zh-CN" sz="2800" b="1">
+                <a:solidFill>
+                  <a:schemeClr val="bg1"/>
+                </a:solidFill>
+              </a:rPr>
+              <a:t>    let x=1;</a:t>
+            </a:r>
+            <a:endParaRPr lang="en-US" altLang="zh-CN" sz="2800" b="1">
               <a:solidFill>
                 <a:schemeClr val="bg1"/>
               </a:solidFill>
@@ -17219,36 +17227,155 @@
           </a:p>
           <a:p>
             <a:r>
-              <a:rPr lang="en-US" altLang="zh-CN" sz="5400" b="1">
+              <a:rPr lang="en-US" altLang="zh-CN" sz="2800" b="1">
                 <a:solidFill>
                   <a:schemeClr val="bg1"/>
                 </a:solidFill>
               </a:rPr>
-              <a:t>    println!(“Hello,world!”);</a:t>
-            </a:r>
-            <a:endParaRPr lang="en-US" altLang="zh-CN" sz="5400" b="1">
+              <a:t>    x=x+6;</a:t>
+            </a:r>
+            <a:endParaRPr lang="en-US" altLang="zh-CN" sz="2800" b="1">
               <a:solidFill>
                 <a:schemeClr val="bg1"/>
               </a:solidFill>
             </a:endParaRPr>
           </a:p>
           <a:p>
-            <a:endParaRPr lang="en-US" altLang="zh-CN" sz="5400" b="1">
+            <a:r>
+              <a:rPr lang="en-US" altLang="zh-CN" sz="2800" b="1">
+                <a:solidFill>
+                  <a:schemeClr val="bg1"/>
+                </a:solidFill>
+              </a:rPr>
+              <a:t>    println!(“Hello,world! {}”,x);</a:t>
+            </a:r>
+            <a:endParaRPr lang="en-US" altLang="zh-CN" sz="2800" b="1">
               <a:solidFill>
                 <a:schemeClr val="bg1"/>
               </a:solidFill>
             </a:endParaRPr>
           </a:p>
           <a:p>
-            <a:r>
-              <a:rPr lang="en-US" altLang="zh-CN" sz="5400" b="1">
+            <a:endParaRPr lang="en-US" altLang="zh-CN" sz="2800" b="1">
+              <a:solidFill>
+                <a:schemeClr val="bg1"/>
+              </a:solidFill>
+            </a:endParaRPr>
+          </a:p>
+          <a:p>
+            <a:r>
+              <a:rPr lang="en-US" altLang="zh-CN" sz="2800" b="1">
                 <a:solidFill>
                   <a:schemeClr val="bg1"/>
                 </a:solidFill>
               </a:rPr>
               <a:t>}</a:t>
             </a:r>
-            <a:endParaRPr lang="en-US" altLang="zh-CN" sz="5400" b="1">
+            <a:endParaRPr lang="en-US" altLang="zh-CN" sz="2800" b="1">
+              <a:solidFill>
+                <a:schemeClr val="bg1"/>
+              </a:solidFill>
+            </a:endParaRPr>
+          </a:p>
+        </p:txBody>
+      </p:sp>
+      <p:sp>
+        <p:nvSpPr>
+          <p:cNvPr id="3" name="文本框 2"/>
+          <p:cNvSpPr txBox="1"/>
+          <p:nvPr/>
+        </p:nvSpPr>
+        <p:spPr>
+          <a:xfrm>
+            <a:off x="6478905" y="1773555"/>
+            <a:ext cx="9001125" cy="2676525"/>
+          </a:xfrm>
+          <a:prstGeom prst="rect">
+            <a:avLst/>
+          </a:prstGeom>
+          <a:noFill/>
+        </p:spPr>
+        <p:txBody>
+          <a:bodyPr wrap="square" rtlCol="0">
+            <a:spAutoFit/>
+          </a:bodyPr>
+          <a:p>
+            <a:r>
+              <a:rPr lang="en-US" altLang="zh-CN" sz="2800" b="1">
+                <a:solidFill>
+                  <a:schemeClr val="bg1"/>
+                </a:solidFill>
+              </a:rPr>
+              <a:t>fn main() {</a:t>
+            </a:r>
+            <a:endParaRPr lang="en-US" altLang="zh-CN" sz="2800" b="1">
+              <a:solidFill>
+                <a:schemeClr val="bg1"/>
+              </a:solidFill>
+            </a:endParaRPr>
+          </a:p>
+          <a:p>
+            <a:r>
+              <a:rPr lang="en-US" altLang="zh-CN" sz="2800" b="1">
+                <a:solidFill>
+                  <a:schemeClr val="bg1"/>
+                </a:solidFill>
+              </a:rPr>
+              <a:t>    let x=1;</a:t>
+            </a:r>
+            <a:endParaRPr lang="en-US" altLang="zh-CN" sz="2800" b="1">
+              <a:solidFill>
+                <a:schemeClr val="bg1"/>
+              </a:solidFill>
+            </a:endParaRPr>
+          </a:p>
+          <a:p>
+            <a:r>
+              <a:rPr lang="en-US" altLang="zh-CN" sz="2800" b="1">
+                <a:solidFill>
+                  <a:schemeClr val="bg1"/>
+                </a:solidFill>
+              </a:rPr>
+              <a:t>    let x=x+6;</a:t>
+            </a:r>
+            <a:endParaRPr lang="en-US" altLang="zh-CN" sz="2800" b="1">
+              <a:solidFill>
+                <a:schemeClr val="bg1"/>
+              </a:solidFill>
+            </a:endParaRPr>
+          </a:p>
+          <a:p>
+            <a:r>
+              <a:rPr lang="en-US" altLang="zh-CN" sz="2800" b="1">
+                <a:solidFill>
+                  <a:schemeClr val="bg1"/>
+                </a:solidFill>
+              </a:rPr>
+              <a:t>    println!(“Hello,world! {}”,x);</a:t>
+            </a:r>
+            <a:endParaRPr lang="en-US" altLang="zh-CN" sz="2800" b="1">
+              <a:solidFill>
+                <a:schemeClr val="bg1"/>
+              </a:solidFill>
+            </a:endParaRPr>
+          </a:p>
+          <a:p>
+            <a:endParaRPr lang="en-US" altLang="zh-CN" sz="2800" b="1">
+              <a:solidFill>
+                <a:schemeClr val="bg1"/>
+              </a:solidFill>
+            </a:endParaRPr>
+          </a:p>
+          <a:p>
+            <a:r>
+              <a:rPr lang="en-US" altLang="zh-CN" sz="2800" b="1">
+                <a:solidFill>
+                  <a:schemeClr val="bg1"/>
+                </a:solidFill>
+              </a:rPr>
+              <a:t>}</a:t>
+            </a:r>
+            <a:endParaRPr lang="en-US" altLang="zh-CN" sz="2800" b="1">
               <a:solidFill>
                 <a:schemeClr val="bg1"/>
               </a:solidFill>
